--- a/VernyomasNaplo.pptx
+++ b/VernyomasNaplo.pptx
@@ -5,7 +5,7 @@
     <p:sldMasterId id="2147483678" r:id="rId1"/>
   </p:sldMasterIdLst>
   <p:notesMasterIdLst>
-    <p:notesMasterId r:id="rId12"/>
+    <p:notesMasterId r:id="rId13"/>
   </p:notesMasterIdLst>
   <p:sldIdLst>
     <p:sldId id="256" r:id="rId2"/>
@@ -17,7 +17,8 @@
     <p:sldId id="262" r:id="rId8"/>
     <p:sldId id="264" r:id="rId9"/>
     <p:sldId id="265" r:id="rId10"/>
-    <p:sldId id="263" r:id="rId11"/>
+    <p:sldId id="266" r:id="rId11"/>
+    <p:sldId id="263" r:id="rId12"/>
   </p:sldIdLst>
   <p:sldSz cx="12192000" cy="6858000"/>
   <p:notesSz cx="6858000" cy="9144000"/>
@@ -116,6 +117,11 @@
       </a:defRPr>
     </a:lvl9pPr>
   </p:defaultTextStyle>
+  <p:extLst>
+    <p:ext uri="{EFAFB233-063F-42B5-8137-9DF3F51BA10A}">
+      <p15:sldGuideLst xmlns:p15="http://schemas.microsoft.com/office/powerpoint/2012/main"/>
+    </p:ext>
+  </p:extLst>
 </p:presentation>
 </file>
 
@@ -201,7 +207,7 @@
           <a:p>
             <a:fld id="{37A64D1A-5BFD-4CBA-BC71-2A38794A3367}" type="datetimeFigureOut">
               <a:rPr lang="hu-HU" smtClean="0"/>
-              <a:t>2024. 10. 23.</a:t>
+              <a:t>2024. 10. 24.</a:t>
             </a:fld>
             <a:endParaRPr lang="hu-HU"/>
           </a:p>
@@ -1055,7 +1061,7 @@
           <a:p>
             <a:fld id="{7438DF12-F2F5-4640-BCAB-C811F4019264}" type="datetimeFigureOut">
               <a:rPr lang="hu-HU" smtClean="0"/>
-              <a:t>2024. 10. 23.</a:t>
+              <a:t>2024. 10. 24.</a:t>
             </a:fld>
             <a:endParaRPr lang="hu-HU"/>
           </a:p>
@@ -2143,7 +2149,7 @@
           <a:p>
             <a:fld id="{7438DF12-F2F5-4640-BCAB-C811F4019264}" type="datetimeFigureOut">
               <a:rPr lang="hu-HU" smtClean="0"/>
-              <a:t>2024. 10. 23.</a:t>
+              <a:t>2024. 10. 24.</a:t>
             </a:fld>
             <a:endParaRPr lang="hu-HU"/>
           </a:p>
@@ -3123,7 +3129,7 @@
           <a:p>
             <a:fld id="{7438DF12-F2F5-4640-BCAB-C811F4019264}" type="datetimeFigureOut">
               <a:rPr lang="hu-HU" smtClean="0"/>
-              <a:t>2024. 10. 23.</a:t>
+              <a:t>2024. 10. 24.</a:t>
             </a:fld>
             <a:endParaRPr lang="hu-HU"/>
           </a:p>
@@ -4257,7 +4263,7 @@
           <a:p>
             <a:fld id="{7438DF12-F2F5-4640-BCAB-C811F4019264}" type="datetimeFigureOut">
               <a:rPr lang="hu-HU" smtClean="0"/>
-              <a:t>2024. 10. 23.</a:t>
+              <a:t>2024. 10. 24.</a:t>
             </a:fld>
             <a:endParaRPr lang="hu-HU"/>
           </a:p>
@@ -5290,7 +5296,7 @@
           <a:p>
             <a:fld id="{7438DF12-F2F5-4640-BCAB-C811F4019264}" type="datetimeFigureOut">
               <a:rPr lang="hu-HU" smtClean="0"/>
-              <a:t>2024. 10. 23.</a:t>
+              <a:t>2024. 10. 24.</a:t>
             </a:fld>
             <a:endParaRPr lang="hu-HU"/>
           </a:p>
@@ -5950,7 +5956,7 @@
           <a:p>
             <a:fld id="{7438DF12-F2F5-4640-BCAB-C811F4019264}" type="datetimeFigureOut">
               <a:rPr lang="hu-HU" smtClean="0"/>
-              <a:t>2024. 10. 23.</a:t>
+              <a:t>2024. 10. 24.</a:t>
             </a:fld>
             <a:endParaRPr lang="hu-HU"/>
           </a:p>
@@ -6811,7 +6817,7 @@
           <a:p>
             <a:fld id="{7438DF12-F2F5-4640-BCAB-C811F4019264}" type="datetimeFigureOut">
               <a:rPr lang="hu-HU" smtClean="0"/>
-              <a:t>2024. 10. 23.</a:t>
+              <a:t>2024. 10. 24.</a:t>
             </a:fld>
             <a:endParaRPr lang="hu-HU"/>
           </a:p>
@@ -7001,7 +7007,7 @@
           <a:p>
             <a:fld id="{7438DF12-F2F5-4640-BCAB-C811F4019264}" type="datetimeFigureOut">
               <a:rPr lang="hu-HU" smtClean="0"/>
-              <a:t>2024. 10. 23.</a:t>
+              <a:t>2024. 10. 24.</a:t>
             </a:fld>
             <a:endParaRPr lang="hu-HU"/>
           </a:p>
@@ -7973,7 +7979,7 @@
           <a:p>
             <a:fld id="{7438DF12-F2F5-4640-BCAB-C811F4019264}" type="datetimeFigureOut">
               <a:rPr lang="hu-HU" smtClean="0"/>
-              <a:t>2024. 10. 23.</a:t>
+              <a:t>2024. 10. 24.</a:t>
             </a:fld>
             <a:endParaRPr lang="hu-HU"/>
           </a:p>
@@ -8184,7 +8190,7 @@
           <a:p>
             <a:fld id="{7438DF12-F2F5-4640-BCAB-C811F4019264}" type="datetimeFigureOut">
               <a:rPr lang="hu-HU" smtClean="0"/>
-              <a:t>2024. 10. 23.</a:t>
+              <a:t>2024. 10. 24.</a:t>
             </a:fld>
             <a:endParaRPr lang="hu-HU"/>
           </a:p>
@@ -9218,7 +9224,7 @@
           <a:p>
             <a:fld id="{7438DF12-F2F5-4640-BCAB-C811F4019264}" type="datetimeFigureOut">
               <a:rPr lang="hu-HU" smtClean="0"/>
-              <a:t>2024. 10. 23.</a:t>
+              <a:t>2024. 10. 24.</a:t>
             </a:fld>
             <a:endParaRPr lang="hu-HU"/>
           </a:p>
@@ -9490,7 +9496,7 @@
           <a:p>
             <a:fld id="{7438DF12-F2F5-4640-BCAB-C811F4019264}" type="datetimeFigureOut">
               <a:rPr lang="hu-HU" smtClean="0"/>
-              <a:t>2024. 10. 23.</a:t>
+              <a:t>2024. 10. 24.</a:t>
             </a:fld>
             <a:endParaRPr lang="hu-HU"/>
           </a:p>
@@ -9900,7 +9906,7 @@
           <a:p>
             <a:fld id="{7438DF12-F2F5-4640-BCAB-C811F4019264}" type="datetimeFigureOut">
               <a:rPr lang="hu-HU" smtClean="0"/>
-              <a:t>2024. 10. 23.</a:t>
+              <a:t>2024. 10. 24.</a:t>
             </a:fld>
             <a:endParaRPr lang="hu-HU"/>
           </a:p>
@@ -10027,7 +10033,7 @@
           <a:p>
             <a:fld id="{7438DF12-F2F5-4640-BCAB-C811F4019264}" type="datetimeFigureOut">
               <a:rPr lang="hu-HU" smtClean="0"/>
-              <a:t>2024. 10. 23.</a:t>
+              <a:t>2024. 10. 24.</a:t>
             </a:fld>
             <a:endParaRPr lang="hu-HU"/>
           </a:p>
@@ -10122,7 +10128,7 @@
           <a:p>
             <a:fld id="{7438DF12-F2F5-4640-BCAB-C811F4019264}" type="datetimeFigureOut">
               <a:rPr lang="hu-HU" smtClean="0"/>
-              <a:t>2024. 10. 23.</a:t>
+              <a:t>2024. 10. 24.</a:t>
             </a:fld>
             <a:endParaRPr lang="hu-HU"/>
           </a:p>
@@ -11203,7 +11209,7 @@
           <a:p>
             <a:fld id="{7438DF12-F2F5-4640-BCAB-C811F4019264}" type="datetimeFigureOut">
               <a:rPr lang="hu-HU" smtClean="0"/>
-              <a:t>2024. 10. 23.</a:t>
+              <a:t>2024. 10. 24.</a:t>
             </a:fld>
             <a:endParaRPr lang="hu-HU"/>
           </a:p>
@@ -12311,7 +12317,7 @@
           <a:p>
             <a:fld id="{7438DF12-F2F5-4640-BCAB-C811F4019264}" type="datetimeFigureOut">
               <a:rPr lang="hu-HU" smtClean="0"/>
-              <a:t>2024. 10. 23.</a:t>
+              <a:t>2024. 10. 24.</a:t>
             </a:fld>
             <a:endParaRPr lang="hu-HU"/>
           </a:p>
@@ -13308,7 +13314,7 @@
           <a:p>
             <a:fld id="{7438DF12-F2F5-4640-BCAB-C811F4019264}" type="datetimeFigureOut">
               <a:rPr lang="hu-HU" smtClean="0"/>
-              <a:t>2024. 10. 23.</a:t>
+              <a:t>2024. 10. 24.</a:t>
             </a:fld>
             <a:endParaRPr lang="hu-HU"/>
           </a:p>
@@ -13950,13 +13956,13 @@
   <p:clrMapOvr>
     <a:masterClrMapping/>
   </p:clrMapOvr>
-  <mc:AlternateContent xmlns:mc="http://schemas.openxmlformats.org/markup-compatibility/2006">
-    <mc:Choice xmlns:p14="http://schemas.microsoft.com/office/powerpoint/2010/main" Requires="p14">
+  <mc:AlternateContent xmlns:mc="http://schemas.openxmlformats.org/markup-compatibility/2006" xmlns:p14="http://schemas.microsoft.com/office/powerpoint/2010/main">
+    <mc:Choice Requires="p14">
       <p:transition spd="slow" p14:dur="1250">
         <p14:flash/>
       </p:transition>
     </mc:Choice>
-    <mc:Fallback>
+    <mc:Fallback xmlns="">
       <p:transition spd="slow">
         <p:fade/>
       </p:transition>
@@ -13966,6 +13972,133 @@
 </file>
 
 <file path=ppt/slides/slide10.xml><?xml version="1.0" encoding="utf-8"?>
+<p:sld xmlns:a="http://schemas.openxmlformats.org/drawingml/2006/main" xmlns:r="http://schemas.openxmlformats.org/officeDocument/2006/relationships" xmlns:p="http://schemas.openxmlformats.org/presentationml/2006/main">
+  <p:cSld>
+    <p:spTree>
+      <p:nvGrpSpPr>
+        <p:cNvPr id="1" name=""/>
+        <p:cNvGrpSpPr/>
+        <p:nvPr/>
+      </p:nvGrpSpPr>
+      <p:grpSpPr>
+        <a:xfrm>
+          <a:off x="0" y="0"/>
+          <a:ext cx="0" cy="0"/>
+          <a:chOff x="0" y="0"/>
+          <a:chExt cx="0" cy="0"/>
+        </a:xfrm>
+      </p:grpSpPr>
+      <p:sp>
+        <p:nvSpPr>
+          <p:cNvPr id="2" name="Cím 1">
+            <a:extLst>
+              <a:ext uri="{FF2B5EF4-FFF2-40B4-BE49-F238E27FC236}">
+                <a16:creationId xmlns:a16="http://schemas.microsoft.com/office/drawing/2014/main" id="{96917CE9-89C9-A72A-3B66-B7AB244F5487}"/>
+              </a:ext>
+            </a:extLst>
+          </p:cNvPr>
+          <p:cNvSpPr>
+            <a:spLocks noGrp="1"/>
+          </p:cNvSpPr>
+          <p:nvPr>
+            <p:ph type="title"/>
+          </p:nvPr>
+        </p:nvSpPr>
+        <p:spPr/>
+        <p:txBody>
+          <a:bodyPr/>
+          <a:lstStyle/>
+          <a:p>
+            <a:r>
+              <a:rPr lang="hu-HU" sz="4800" dirty="0">
+                <a:latin typeface="Unispace" panose="02000809060000020004" pitchFamily="49" charset="0"/>
+              </a:rPr>
+              <a:t>Felvétel/Módosítás</a:t>
+            </a:r>
+          </a:p>
+        </p:txBody>
+      </p:sp>
+      <p:sp>
+        <p:nvSpPr>
+          <p:cNvPr id="3" name="Tartalom helye 2">
+            <a:extLst>
+              <a:ext uri="{FF2B5EF4-FFF2-40B4-BE49-F238E27FC236}">
+                <a16:creationId xmlns:a16="http://schemas.microsoft.com/office/drawing/2014/main" id="{98A58930-A3C1-FBEF-0579-1861D87FEF52}"/>
+              </a:ext>
+            </a:extLst>
+          </p:cNvPr>
+          <p:cNvSpPr>
+            <a:spLocks noGrp="1"/>
+          </p:cNvSpPr>
+          <p:nvPr>
+            <p:ph idx="1"/>
+          </p:nvPr>
+        </p:nvSpPr>
+        <p:spPr/>
+        <p:txBody>
+          <a:bodyPr/>
+          <a:lstStyle/>
+          <a:p>
+            <a:endParaRPr lang="hu-HU"/>
+          </a:p>
+        </p:txBody>
+      </p:sp>
+      <p:pic>
+        <p:nvPicPr>
+          <p:cNvPr id="5" name="Kép 4">
+            <a:extLst>
+              <a:ext uri="{FF2B5EF4-FFF2-40B4-BE49-F238E27FC236}">
+                <a16:creationId xmlns:a16="http://schemas.microsoft.com/office/drawing/2014/main" id="{C63BCC05-5782-14A8-1F96-7341F2B6C16F}"/>
+              </a:ext>
+            </a:extLst>
+          </p:cNvPr>
+          <p:cNvPicPr>
+            <a:picLocks noChangeAspect="1"/>
+          </p:cNvPicPr>
+          <p:nvPr/>
+        </p:nvPicPr>
+        <p:blipFill>
+          <a:blip r:embed="rId2"/>
+          <a:stretch>
+            <a:fillRect/>
+          </a:stretch>
+        </p:blipFill>
+        <p:spPr>
+          <a:xfrm>
+            <a:off x="675518" y="3077990"/>
+            <a:ext cx="10840963" cy="2467319"/>
+          </a:xfrm>
+          <a:prstGeom prst="rect">
+            <a:avLst/>
+          </a:prstGeom>
+        </p:spPr>
+      </p:pic>
+    </p:spTree>
+    <p:extLst>
+      <p:ext uri="{BB962C8B-B14F-4D97-AF65-F5344CB8AC3E}">
+        <p14:creationId xmlns:p14="http://schemas.microsoft.com/office/powerpoint/2010/main" val="1104042703"/>
+      </p:ext>
+    </p:extLst>
+  </p:cSld>
+  <p:clrMapOvr>
+    <a:masterClrMapping/>
+  </p:clrMapOvr>
+  <mc:AlternateContent xmlns:mc="http://schemas.openxmlformats.org/markup-compatibility/2006" xmlns:p14="http://schemas.microsoft.com/office/powerpoint/2010/main">
+    <mc:Choice Requires="p14">
+      <p:transition spd="slow" p14:dur="1200">
+        <p:dissolve/>
+      </p:transition>
+    </mc:Choice>
+    <mc:Fallback xmlns="">
+      <p:transition spd="slow">
+        <p:dissolve/>
+      </p:transition>
+    </mc:Fallback>
+  </mc:AlternateContent>
+</p:sld>
+</file>
+
+<file path=ppt/slides/slide11.xml><?xml version="1.0" encoding="utf-8"?>
 <p:sld xmlns:a="http://schemas.openxmlformats.org/drawingml/2006/main" xmlns:r="http://schemas.openxmlformats.org/officeDocument/2006/relationships" xmlns:p="http://schemas.openxmlformats.org/presentationml/2006/main">
   <p:cSld>
     <p:spTree>
@@ -14053,13 +14186,13 @@
   <p:clrMapOvr>
     <a:masterClrMapping/>
   </p:clrMapOvr>
-  <mc:AlternateContent xmlns:mc="http://schemas.openxmlformats.org/markup-compatibility/2006">
-    <mc:Choice xmlns:p14="http://schemas.microsoft.com/office/powerpoint/2010/main" Requires="p14">
+  <mc:AlternateContent xmlns:mc="http://schemas.openxmlformats.org/markup-compatibility/2006" xmlns:p14="http://schemas.microsoft.com/office/powerpoint/2010/main">
+    <mc:Choice Requires="p14">
       <p:transition spd="slow" p14:dur="1300">
         <p14:pan dir="u"/>
       </p:transition>
     </mc:Choice>
-    <mc:Fallback>
+    <mc:Fallback xmlns="">
       <p:transition spd="slow">
         <p:fade/>
       </p:transition>
@@ -14190,13 +14323,13 @@
   <p:clrMapOvr>
     <a:masterClrMapping/>
   </p:clrMapOvr>
-  <mc:AlternateContent xmlns:mc="http://schemas.openxmlformats.org/markup-compatibility/2006">
-    <mc:Choice xmlns:p15="http://schemas.microsoft.com/office/powerpoint/2012/main" Requires="p15">
+  <mc:AlternateContent xmlns:mc="http://schemas.openxmlformats.org/markup-compatibility/2006" xmlns:p15="http://schemas.microsoft.com/office/powerpoint/2012/main">
+    <mc:Choice Requires="p15">
       <p:transition xmlns:p14="http://schemas.microsoft.com/office/powerpoint/2010/main" spd="slow" p14:dur="1250">
         <p15:prstTrans prst="peelOff"/>
       </p:transition>
     </mc:Choice>
-    <mc:Fallback>
+    <mc:Fallback xmlns="">
       <p:transition spd="slow">
         <p:fade/>
       </p:transition>
@@ -14319,13 +14452,13 @@
   <p:clrMapOvr>
     <a:masterClrMapping/>
   </p:clrMapOvr>
-  <mc:AlternateContent xmlns:mc="http://schemas.openxmlformats.org/markup-compatibility/2006">
-    <mc:Choice xmlns:p15="http://schemas.microsoft.com/office/powerpoint/2012/main" Requires="p15">
+  <mc:AlternateContent xmlns:mc="http://schemas.openxmlformats.org/markup-compatibility/2006" xmlns:p15="http://schemas.microsoft.com/office/powerpoint/2012/main">
+    <mc:Choice Requires="p15">
       <p:transition xmlns:p14="http://schemas.microsoft.com/office/powerpoint/2010/main" spd="slow" p14:dur="2000">
         <p15:prstTrans prst="prestige"/>
       </p:transition>
     </mc:Choice>
-    <mc:Fallback>
+    <mc:Fallback xmlns="">
       <p:transition spd="slow">
         <p:fade/>
       </p:transition>
@@ -14438,13 +14571,13 @@
   <p:clrMapOvr>
     <a:masterClrMapping/>
   </p:clrMapOvr>
-  <mc:AlternateContent xmlns:mc="http://schemas.openxmlformats.org/markup-compatibility/2006">
-    <mc:Choice xmlns:p14="http://schemas.microsoft.com/office/powerpoint/2010/main" Requires="p14">
+  <mc:AlternateContent xmlns:mc="http://schemas.openxmlformats.org/markup-compatibility/2006" xmlns:p14="http://schemas.microsoft.com/office/powerpoint/2010/main">
+    <mc:Choice Requires="p14">
       <p:transition spd="slow" p14:dur="800">
         <p14:flythrough/>
       </p:transition>
     </mc:Choice>
-    <mc:Fallback>
+    <mc:Fallback xmlns="">
       <p:transition spd="slow">
         <p:fade/>
       </p:transition>
@@ -14644,7 +14777,7 @@
           <p:nvPr/>
         </p:nvPicPr>
         <p:blipFill>
-          <a:blip r:embed="rId5">
+          <a:blip r:embed="rId5" cstate="hqprint">
             <a:extLst>
               <a:ext uri="{28A0092B-C50C-407E-A947-70E740481C1C}">
                 <a14:useLocalDpi xmlns:a14="http://schemas.microsoft.com/office/drawing/2010/main" val="0"/>
@@ -14675,13 +14808,13 @@
   <p:clrMapOvr>
     <a:masterClrMapping/>
   </p:clrMapOvr>
-  <mc:AlternateContent xmlns:mc="http://schemas.openxmlformats.org/markup-compatibility/2006">
-    <mc:Choice xmlns:p15="http://schemas.microsoft.com/office/powerpoint/2012/main" Requires="p15">
+  <mc:AlternateContent xmlns:mc="http://schemas.openxmlformats.org/markup-compatibility/2006" xmlns:p15="http://schemas.microsoft.com/office/powerpoint/2012/main">
+    <mc:Choice Requires="p15">
       <p:transition xmlns:p14="http://schemas.microsoft.com/office/powerpoint/2010/main" spd="slow" p14:dur="2000">
         <p15:prstTrans prst="fallOver"/>
       </p:transition>
     </mc:Choice>
-    <mc:Fallback>
+    <mc:Fallback xmlns="">
       <p:transition spd="slow">
         <p:fade/>
       </p:transition>
@@ -14848,7 +14981,7 @@
           <p:nvPr/>
         </p:nvPicPr>
         <p:blipFill>
-          <a:blip r:embed="rId3">
+          <a:blip r:embed="rId3" cstate="hqprint">
             <a:extLst>
               <a:ext uri="{28A0092B-C50C-407E-A947-70E740481C1C}">
                 <a14:useLocalDpi xmlns:a14="http://schemas.microsoft.com/office/drawing/2010/main" val="0"/>
@@ -14915,13 +15048,13 @@
   <p:clrMapOvr>
     <a:masterClrMapping/>
   </p:clrMapOvr>
-  <mc:AlternateContent xmlns:mc="http://schemas.openxmlformats.org/markup-compatibility/2006">
-    <mc:Choice xmlns:p15="http://schemas.microsoft.com/office/powerpoint/2012/main" Requires="p15">
+  <mc:AlternateContent xmlns:mc="http://schemas.openxmlformats.org/markup-compatibility/2006" xmlns:p15="http://schemas.microsoft.com/office/powerpoint/2012/main">
+    <mc:Choice Requires="p15">
       <p:transition xmlns:p14="http://schemas.microsoft.com/office/powerpoint/2010/main" spd="slow" p14:dur="1250">
         <p15:prstTrans prst="pageCurlDouble"/>
       </p:transition>
     </mc:Choice>
-    <mc:Fallback>
+    <mc:Fallback xmlns="">
       <p:transition spd="slow">
         <p:fade/>
       </p:transition>
@@ -15041,13 +15174,13 @@
   <p:clrMapOvr>
     <a:masterClrMapping/>
   </p:clrMapOvr>
-  <mc:AlternateContent xmlns:mc="http://schemas.openxmlformats.org/markup-compatibility/2006">
-    <mc:Choice xmlns:p14="http://schemas.microsoft.com/office/powerpoint/2010/main" Requires="p14">
+  <mc:AlternateContent xmlns:mc="http://schemas.openxmlformats.org/markup-compatibility/2006" xmlns:p14="http://schemas.microsoft.com/office/powerpoint/2010/main">
+    <mc:Choice Requires="p14">
       <p:transition spd="slow" p14:dur="1400">
         <p14:ripple/>
       </p:transition>
     </mc:Choice>
-    <mc:Fallback>
+    <mc:Fallback xmlns="">
       <p:transition spd="slow">
         <p:fade/>
       </p:transition>
@@ -15173,18 +15306,25 @@
   <p:clrMapOvr>
     <a:masterClrMapping/>
   </p:clrMapOvr>
-  <mc:AlternateContent xmlns:mc="http://schemas.openxmlformats.org/markup-compatibility/2006">
-    <mc:Choice xmlns:p14="http://schemas.microsoft.com/office/powerpoint/2010/main" Requires="p14">
+  <mc:AlternateContent xmlns:mc="http://schemas.openxmlformats.org/markup-compatibility/2006" xmlns:p14="http://schemas.microsoft.com/office/powerpoint/2010/main">
+    <mc:Choice Requires="p14">
       <p:transition spd="slow" p14:dur="1600">
         <p:blinds dir="vert"/>
       </p:transition>
     </mc:Choice>
-    <mc:Fallback>
+    <mc:Fallback xmlns="">
       <p:transition spd="slow">
         <p:blinds dir="vert"/>
       </p:transition>
     </mc:Fallback>
   </mc:AlternateContent>
+  <p:timing>
+    <p:tnLst>
+      <p:par>
+        <p:cTn id="1" dur="indefinite" restart="never" nodeType="tmRoot"/>
+      </p:par>
+    </p:tnLst>
+  </p:timing>
 </p:sld>
 </file>
 
@@ -15262,13 +15402,7 @@
       </p:sp>
       <p:pic>
         <p:nvPicPr>
-          <p:cNvPr id="5" name="Kép 4">
-            <a:extLst>
-              <a:ext uri="{FF2B5EF4-FFF2-40B4-BE49-F238E27FC236}">
-                <a16:creationId xmlns:a16="http://schemas.microsoft.com/office/drawing/2014/main" id="{C63BCC05-5782-14A8-1F96-7341F2B6C16F}"/>
-              </a:ext>
-            </a:extLst>
-          </p:cNvPr>
+          <p:cNvPr id="4" name="Kép 3"/>
           <p:cNvPicPr>
             <a:picLocks noChangeAspect="1"/>
           </p:cNvPicPr>
@@ -15282,8 +15416,8 @@
         </p:blipFill>
         <p:spPr>
           <a:xfrm>
-            <a:off x="675518" y="3077990"/>
-            <a:ext cx="10840963" cy="2467319"/>
+            <a:off x="1321208" y="2401629"/>
+            <a:ext cx="9238250" cy="4223400"/>
           </a:xfrm>
           <a:prstGeom prst="rect">
             <a:avLst/>
@@ -15301,17 +15435,24 @@
     <a:masterClrMapping/>
   </p:clrMapOvr>
   <mc:AlternateContent xmlns:mc="http://schemas.openxmlformats.org/markup-compatibility/2006">
-    <mc:Choice xmlns:p14="http://schemas.microsoft.com/office/powerpoint/2010/main" Requires="p14">
-      <p:transition spd="slow" p14:dur="1200">
-        <p:dissolve/>
+    <mc:Choice xmlns:p15="http://schemas.microsoft.com/office/powerpoint/2012/main" Requires="p15">
+      <p:transition xmlns:p14="http://schemas.microsoft.com/office/powerpoint/2010/main" spd="slow" p14:dur="1250">
+        <p15:prstTrans prst="airplane" invX="1"/>
       </p:transition>
     </mc:Choice>
     <mc:Fallback>
       <p:transition spd="slow">
-        <p:dissolve/>
+        <p:fade/>
       </p:transition>
     </mc:Fallback>
   </mc:AlternateContent>
+  <p:timing>
+    <p:tnLst>
+      <p:par>
+        <p:cTn id="1" dur="indefinite" restart="never" nodeType="tmRoot"/>
+      </p:par>
+    </p:tnLst>
+  </p:timing>
 </p:sld>
 </file>
 
